--- a/Teaching-Algorithms/homework/pa3/maps.pptx
+++ b/Teaching-Algorithms/homework/pa3/maps.pptx
@@ -108,6 +108,11 @@
       </a:defRPr>
     </a:lvl9pPr>
   </p:defaultTextStyle>
+  <p:extLst>
+    <p:ext uri="{EFAFB233-063F-42B5-8137-9DF3F51BA10A}">
+      <p15:sldGuideLst xmlns:p15="http://schemas.microsoft.com/office/powerpoint/2012/main"/>
+    </p:ext>
+  </p:extLst>
 </p:presentation>
 </file>
 
@@ -258,7 +263,7 @@
           <a:p>
             <a:fld id="{C97B4ADE-B371-4585-952D-D076B348D712}" type="datetimeFigureOut">
               <a:rPr lang="en-US" smtClean="0"/>
-              <a:t>2/24/2019</a:t>
+              <a:t>2/25/2019</a:t>
             </a:fld>
             <a:endParaRPr lang="en-US"/>
           </a:p>
@@ -456,7 +461,7 @@
           <a:p>
             <a:fld id="{C97B4ADE-B371-4585-952D-D076B348D712}" type="datetimeFigureOut">
               <a:rPr lang="en-US" smtClean="0"/>
-              <a:t>2/24/2019</a:t>
+              <a:t>2/25/2019</a:t>
             </a:fld>
             <a:endParaRPr lang="en-US"/>
           </a:p>
@@ -664,7 +669,7 @@
           <a:p>
             <a:fld id="{C97B4ADE-B371-4585-952D-D076B348D712}" type="datetimeFigureOut">
               <a:rPr lang="en-US" smtClean="0"/>
-              <a:t>2/24/2019</a:t>
+              <a:t>2/25/2019</a:t>
             </a:fld>
             <a:endParaRPr lang="en-US"/>
           </a:p>
@@ -862,7 +867,7 @@
           <a:p>
             <a:fld id="{C97B4ADE-B371-4585-952D-D076B348D712}" type="datetimeFigureOut">
               <a:rPr lang="en-US" smtClean="0"/>
-              <a:t>2/24/2019</a:t>
+              <a:t>2/25/2019</a:t>
             </a:fld>
             <a:endParaRPr lang="en-US"/>
           </a:p>
@@ -1137,7 +1142,7 @@
           <a:p>
             <a:fld id="{C97B4ADE-B371-4585-952D-D076B348D712}" type="datetimeFigureOut">
               <a:rPr lang="en-US" smtClean="0"/>
-              <a:t>2/24/2019</a:t>
+              <a:t>2/25/2019</a:t>
             </a:fld>
             <a:endParaRPr lang="en-US"/>
           </a:p>
@@ -1402,7 +1407,7 @@
           <a:p>
             <a:fld id="{C97B4ADE-B371-4585-952D-D076B348D712}" type="datetimeFigureOut">
               <a:rPr lang="en-US" smtClean="0"/>
-              <a:t>2/24/2019</a:t>
+              <a:t>2/25/2019</a:t>
             </a:fld>
             <a:endParaRPr lang="en-US"/>
           </a:p>
@@ -1814,7 +1819,7 @@
           <a:p>
             <a:fld id="{C97B4ADE-B371-4585-952D-D076B348D712}" type="datetimeFigureOut">
               <a:rPr lang="en-US" smtClean="0"/>
-              <a:t>2/24/2019</a:t>
+              <a:t>2/25/2019</a:t>
             </a:fld>
             <a:endParaRPr lang="en-US"/>
           </a:p>
@@ -1955,7 +1960,7 @@
           <a:p>
             <a:fld id="{C97B4ADE-B371-4585-952D-D076B348D712}" type="datetimeFigureOut">
               <a:rPr lang="en-US" smtClean="0"/>
-              <a:t>2/24/2019</a:t>
+              <a:t>2/25/2019</a:t>
             </a:fld>
             <a:endParaRPr lang="en-US"/>
           </a:p>
@@ -2068,7 +2073,7 @@
           <a:p>
             <a:fld id="{C97B4ADE-B371-4585-952D-D076B348D712}" type="datetimeFigureOut">
               <a:rPr lang="en-US" smtClean="0"/>
-              <a:t>2/24/2019</a:t>
+              <a:t>2/25/2019</a:t>
             </a:fld>
             <a:endParaRPr lang="en-US"/>
           </a:p>
@@ -2379,7 +2384,7 @@
           <a:p>
             <a:fld id="{C97B4ADE-B371-4585-952D-D076B348D712}" type="datetimeFigureOut">
               <a:rPr lang="en-US" smtClean="0"/>
-              <a:t>2/24/2019</a:t>
+              <a:t>2/25/2019</a:t>
             </a:fld>
             <a:endParaRPr lang="en-US"/>
           </a:p>
@@ -2667,7 +2672,7 @@
           <a:p>
             <a:fld id="{C97B4ADE-B371-4585-952D-D076B348D712}" type="datetimeFigureOut">
               <a:rPr lang="en-US" smtClean="0"/>
-              <a:t>2/24/2019</a:t>
+              <a:t>2/25/2019</a:t>
             </a:fld>
             <a:endParaRPr lang="en-US"/>
           </a:p>
@@ -2908,7 +2913,7 @@
           <a:p>
             <a:fld id="{C97B4ADE-B371-4585-952D-D076B348D712}" type="datetimeFigureOut">
               <a:rPr lang="en-US" smtClean="0"/>
-              <a:t>2/24/2019</a:t>
+              <a:t>2/25/2019</a:t>
             </a:fld>
             <a:endParaRPr lang="en-US"/>
           </a:p>
@@ -6191,49 +6196,6 @@
       </p:cxnSp>
       <p:cxnSp>
         <p:nvCxnSpPr>
-          <p:cNvPr id="30" name="Straight Connector 29">
-            <a:extLst>
-              <a:ext uri="{FF2B5EF4-FFF2-40B4-BE49-F238E27FC236}">
-                <a16:creationId xmlns:a16="http://schemas.microsoft.com/office/drawing/2014/main" id="{9A4CACE5-89D5-4DF8-9D74-7F86F9F23EB7}"/>
-              </a:ext>
-            </a:extLst>
-          </p:cNvPr>
-          <p:cNvCxnSpPr>
-            <a:cxnSpLocks/>
-          </p:cNvCxnSpPr>
-          <p:nvPr/>
-        </p:nvCxnSpPr>
-        <p:spPr>
-          <a:xfrm flipH="1">
-            <a:off x="3331028" y="5048396"/>
-            <a:ext cx="2047490" cy="17242"/>
-          </a:xfrm>
-          <a:prstGeom prst="line">
-            <a:avLst/>
-          </a:prstGeom>
-          <a:ln w="38100">
-            <a:solidFill>
-              <a:schemeClr val="tx1"/>
-            </a:solidFill>
-          </a:ln>
-        </p:spPr>
-        <p:style>
-          <a:lnRef idx="1">
-            <a:schemeClr val="accent1"/>
-          </a:lnRef>
-          <a:fillRef idx="0">
-            <a:schemeClr val="accent1"/>
-          </a:fillRef>
-          <a:effectRef idx="0">
-            <a:schemeClr val="accent1"/>
-          </a:effectRef>
-          <a:fontRef idx="minor">
-            <a:schemeClr val="tx1"/>
-          </a:fontRef>
-        </p:style>
-      </p:cxnSp>
-      <p:cxnSp>
-        <p:nvCxnSpPr>
           <p:cNvPr id="31" name="Straight Connector 30">
             <a:extLst>
               <a:ext uri="{FF2B5EF4-FFF2-40B4-BE49-F238E27FC236}">
@@ -6773,41 +6735,6 @@
             <a:r>
               <a:rPr lang="en-US" dirty="0"/>
               <a:t>3</a:t>
-            </a:r>
-          </a:p>
-        </p:txBody>
-      </p:sp>
-      <p:sp>
-        <p:nvSpPr>
-          <p:cNvPr id="62" name="TextBox 61">
-            <a:extLst>
-              <a:ext uri="{FF2B5EF4-FFF2-40B4-BE49-F238E27FC236}">
-                <a16:creationId xmlns:a16="http://schemas.microsoft.com/office/drawing/2014/main" id="{D5616115-D377-40CC-BB32-1CEBF8251502}"/>
-              </a:ext>
-            </a:extLst>
-          </p:cNvPr>
-          <p:cNvSpPr txBox="1"/>
-          <p:nvPr/>
-        </p:nvSpPr>
-        <p:spPr>
-          <a:xfrm>
-            <a:off x="4585240" y="4707232"/>
-            <a:ext cx="301686" cy="369332"/>
-          </a:xfrm>
-          <a:prstGeom prst="rect">
-            <a:avLst/>
-          </a:prstGeom>
-          <a:noFill/>
-        </p:spPr>
-        <p:txBody>
-          <a:bodyPr wrap="none" rtlCol="0">
-            <a:spAutoFit/>
-          </a:bodyPr>
-          <a:lstStyle/>
-          <a:p>
-            <a:r>
-              <a:rPr lang="en-US" dirty="0"/>
-              <a:t>5</a:t>
             </a:r>
           </a:p>
         </p:txBody>
